--- a/PPT/MachineLearning03-DataLakeAndMart.pptx
+++ b/PPT/MachineLearning03-DataLakeAndMart.pptx
@@ -4064,9 +4064,14 @@
           <a:p>
             <a:pPr eaLnBrk="1" hangingPunct="1"/>
             <a:r>
-              <a:rPr lang="fr-FR" altLang="fr-FR" dirty="0" smtClean="0"/>
-              <a:t>Chapitre 7</a:t>
-            </a:r>
+              <a:rPr lang="fr-FR" altLang="fr-FR" smtClean="0"/>
+              <a:t>Chapitre </a:t>
+            </a:r>
+            <a:r>
+              <a:rPr lang="fr-FR" altLang="fr-FR" smtClean="0"/>
+              <a:t>3</a:t>
+            </a:r>
+            <a:endParaRPr lang="fr-FR" altLang="fr-FR" dirty="0" smtClean="0"/>
           </a:p>
           <a:p>
             <a:pPr eaLnBrk="1" hangingPunct="1"/>
@@ -4075,7 +4080,7 @@
               <a:t>Data Lake  &amp; Data </a:t>
             </a:r>
             <a:r>
-              <a:rPr lang="fr-FR" altLang="fr-FR" smtClean="0"/>
+              <a:rPr lang="fr-FR" altLang="fr-FR" dirty="0" err="1" smtClean="0"/>
               <a:t>Mart</a:t>
             </a:r>
             <a:endParaRPr lang="fr-FR" altLang="fr-FR" dirty="0" smtClean="0"/>

--- a/PPT/MachineLearning03-DataLakeAndMart.pptx
+++ b/PPT/MachineLearning03-DataLakeAndMart.pptx
@@ -622,35 +622,35 @@
           <a:p>
             <a:pPr lvl="0"/>
             <a:r>
-              <a:rPr lang="fr-FR" noProof="0" smtClean="0"/>
+              <a:rPr lang="fr-FR" noProof="0"/>
               <a:t>Cliquez pour modifier les styles du texte du masque</a:t>
             </a:r>
           </a:p>
           <a:p>
             <a:pPr lvl="1"/>
             <a:r>
-              <a:rPr lang="fr-FR" noProof="0" smtClean="0"/>
+              <a:rPr lang="fr-FR" noProof="0"/>
               <a:t>Deuxième niveau</a:t>
             </a:r>
           </a:p>
           <a:p>
             <a:pPr lvl="2"/>
             <a:r>
-              <a:rPr lang="fr-FR" noProof="0" smtClean="0"/>
+              <a:rPr lang="fr-FR" noProof="0"/>
               <a:t>Troisième niveau</a:t>
             </a:r>
           </a:p>
           <a:p>
             <a:pPr lvl="3"/>
             <a:r>
-              <a:rPr lang="fr-FR" noProof="0" smtClean="0"/>
+              <a:rPr lang="fr-FR" noProof="0"/>
               <a:t>Quatrième niveau</a:t>
             </a:r>
           </a:p>
           <a:p>
             <a:pPr lvl="4"/>
             <a:r>
-              <a:rPr lang="fr-FR" noProof="0" smtClean="0"/>
+              <a:rPr lang="fr-FR" noProof="0"/>
               <a:t>Cinquième niveau</a:t>
             </a:r>
           </a:p>
@@ -1033,7 +1033,7 @@
           <a:p>
             <a:pPr eaLnBrk="1" hangingPunct="1"/>
             <a:r>
-              <a:rPr lang="fr-FR" altLang="fr-FR" sz="800" smtClean="0"/>
+              <a:rPr lang="fr-FR" altLang="fr-FR" sz="800"/>
               <a:t>© HANDSHAKE - Philippe MASINA</a:t>
             </a:r>
           </a:p>
@@ -1208,7 +1208,7 @@
           <a:p>
             <a:pPr eaLnBrk="1" hangingPunct="1"/>
             <a:r>
-              <a:rPr lang="en-US" altLang="fr-FR" smtClean="0">
+              <a:rPr lang="en-US" altLang="fr-FR">
                 <a:cs typeface="Times New Roman" panose="02020603050405020304" pitchFamily="18" charset="0"/>
               </a:rPr>
               <a:t>I try to get to the first hands-on by lunch, and be well into Chapter 3 by the end of the first day. </a:t>
@@ -1217,7 +1217,7 @@
           <a:p>
             <a:pPr eaLnBrk="1" hangingPunct="1"/>
             <a:r>
-              <a:rPr lang="en-US" altLang="fr-FR" smtClean="0">
+              <a:rPr lang="en-US" altLang="fr-FR">
                 <a:cs typeface="Times New Roman" panose="02020603050405020304" pitchFamily="18" charset="0"/>
               </a:rPr>
               <a:t>Cover this chapter quickly and do not dwell too much on philosophy. Most of the class is usually only concerned with programming! But it is important to have a solid understanding of what terms such as an object mean, and to aspire to be more than just a programmer.</a:t>
@@ -1226,14 +1226,14 @@
           <a:p>
             <a:pPr eaLnBrk="1" hangingPunct="1"/>
             <a:r>
-              <a:rPr lang="en-US" altLang="fr-FR" smtClean="0"/>
+              <a:rPr lang="en-US" altLang="fr-FR"/>
               <a:t> </a:t>
             </a:r>
           </a:p>
           <a:p>
             <a:pPr eaLnBrk="1" hangingPunct="1"/>
             <a:r>
-              <a:rPr lang="en-US" altLang="fr-FR" smtClean="0">
+              <a:rPr lang="en-US" altLang="fr-FR">
                 <a:cs typeface="Times New Roman" panose="02020603050405020304" pitchFamily="18" charset="0"/>
               </a:rPr>
               <a:t>Note that we changed the chapter title from "Introduction to OOP" to just OOP (to save ink).</a:t>
@@ -1241,7 +1241,7 @@
           </a:p>
           <a:p>
             <a:pPr eaLnBrk="1" hangingPunct="1"/>
-            <a:endParaRPr lang="en-US" altLang="fr-FR" smtClean="0"/>
+            <a:endParaRPr lang="en-US" altLang="fr-FR"/>
           </a:p>
         </p:txBody>
       </p:sp>
@@ -1296,10 +1296,9 @@
           <a:lstStyle/>
           <a:p>
             <a:r>
-              <a:rPr lang="fr-FR" smtClean="0"/>
+              <a:rPr lang="fr-FR"/>
               <a:t>Cliquez pour modifier le style du titre</a:t>
             </a:r>
-            <a:endParaRPr lang="fr-FR"/>
           </a:p>
         </p:txBody>
       </p:sp>
@@ -1361,10 +1360,9 @@
           </a:lstStyle>
           <a:p>
             <a:r>
-              <a:rPr lang="fr-FR" smtClean="0"/>
+              <a:rPr lang="fr-FR"/>
               <a:t>Cliquez pour modifier le style des sous-titres du masque</a:t>
             </a:r>
-            <a:endParaRPr lang="fr-FR"/>
           </a:p>
         </p:txBody>
       </p:sp>
@@ -1419,10 +1417,9 @@
           <a:lstStyle/>
           <a:p>
             <a:r>
-              <a:rPr lang="fr-FR" smtClean="0"/>
+              <a:rPr lang="fr-FR"/>
               <a:t>Cliquez pour modifier le style du titre</a:t>
             </a:r>
-            <a:endParaRPr lang="fr-FR"/>
           </a:p>
         </p:txBody>
       </p:sp>
@@ -1448,38 +1445,37 @@
           <a:p>
             <a:pPr lvl="0"/>
             <a:r>
-              <a:rPr lang="fr-FR" smtClean="0"/>
+              <a:rPr lang="fr-FR"/>
               <a:t>Cliquez pour modifier les styles du texte du masque</a:t>
             </a:r>
           </a:p>
           <a:p>
             <a:pPr lvl="1"/>
             <a:r>
-              <a:rPr lang="fr-FR" smtClean="0"/>
+              <a:rPr lang="fr-FR"/>
               <a:t>Deuxième niveau</a:t>
             </a:r>
           </a:p>
           <a:p>
             <a:pPr lvl="2"/>
             <a:r>
-              <a:rPr lang="fr-FR" smtClean="0"/>
+              <a:rPr lang="fr-FR"/>
               <a:t>Troisième niveau</a:t>
             </a:r>
           </a:p>
           <a:p>
             <a:pPr lvl="3"/>
             <a:r>
-              <a:rPr lang="fr-FR" smtClean="0"/>
+              <a:rPr lang="fr-FR"/>
               <a:t>Quatrième niveau</a:t>
             </a:r>
           </a:p>
           <a:p>
             <a:pPr lvl="4"/>
             <a:r>
-              <a:rPr lang="fr-FR" smtClean="0"/>
+              <a:rPr lang="fr-FR"/>
               <a:t>Cinquième niveau</a:t>
             </a:r>
-            <a:endParaRPr lang="fr-FR"/>
           </a:p>
         </p:txBody>
       </p:sp>
@@ -1538,10 +1534,9 @@
           </a:lstStyle>
           <a:p>
             <a:r>
-              <a:rPr lang="fr-FR" dirty="0" smtClean="0"/>
+              <a:rPr lang="fr-FR" dirty="0"/>
               <a:t>Cliquez pour modifier le style du titre</a:t>
             </a:r>
-            <a:endParaRPr lang="fr-FR" dirty="0"/>
           </a:p>
         </p:txBody>
       </p:sp>
@@ -1567,38 +1562,37 @@
           <a:p>
             <a:pPr lvl="0"/>
             <a:r>
-              <a:rPr lang="fr-FR" dirty="0" smtClean="0"/>
+              <a:rPr lang="fr-FR" dirty="0"/>
               <a:t>Cliquez pour modifier les styles du texte du masque</a:t>
             </a:r>
           </a:p>
           <a:p>
             <a:pPr lvl="1"/>
             <a:r>
-              <a:rPr lang="fr-FR" dirty="0" smtClean="0"/>
+              <a:rPr lang="fr-FR" dirty="0"/>
               <a:t>Deuxième niveau</a:t>
             </a:r>
           </a:p>
           <a:p>
             <a:pPr lvl="2"/>
             <a:r>
-              <a:rPr lang="fr-FR" dirty="0" smtClean="0"/>
+              <a:rPr lang="fr-FR" dirty="0"/>
               <a:t>Troisième niveau</a:t>
             </a:r>
           </a:p>
           <a:p>
             <a:pPr lvl="3"/>
             <a:r>
-              <a:rPr lang="fr-FR" dirty="0" smtClean="0"/>
+              <a:rPr lang="fr-FR" dirty="0"/>
               <a:t>Quatrième niveau</a:t>
             </a:r>
           </a:p>
           <a:p>
             <a:pPr lvl="4"/>
             <a:r>
-              <a:rPr lang="fr-FR" dirty="0" smtClean="0"/>
+              <a:rPr lang="fr-FR" dirty="0"/>
               <a:t>Cinquième niveau</a:t>
             </a:r>
-            <a:endParaRPr lang="fr-FR" dirty="0"/>
           </a:p>
         </p:txBody>
       </p:sp>
@@ -1648,10 +1642,9 @@
           <a:lstStyle/>
           <a:p>
             <a:r>
-              <a:rPr lang="fr-FR" smtClean="0"/>
+              <a:rPr lang="fr-FR"/>
               <a:t>Cliquez pour modifier le style du titre</a:t>
             </a:r>
-            <a:endParaRPr lang="fr-FR"/>
           </a:p>
         </p:txBody>
       </p:sp>
@@ -1705,38 +1698,37 @@
           <a:p>
             <a:pPr lvl="0"/>
             <a:r>
-              <a:rPr lang="fr-FR" smtClean="0"/>
+              <a:rPr lang="fr-FR"/>
               <a:t>Cliquez pour modifier les styles du texte du masque</a:t>
             </a:r>
           </a:p>
           <a:p>
             <a:pPr lvl="1"/>
             <a:r>
-              <a:rPr lang="fr-FR" smtClean="0"/>
+              <a:rPr lang="fr-FR"/>
               <a:t>Deuxième niveau</a:t>
             </a:r>
           </a:p>
           <a:p>
             <a:pPr lvl="2"/>
             <a:r>
-              <a:rPr lang="fr-FR" smtClean="0"/>
+              <a:rPr lang="fr-FR"/>
               <a:t>Troisième niveau</a:t>
             </a:r>
           </a:p>
           <a:p>
             <a:pPr lvl="3"/>
             <a:r>
-              <a:rPr lang="fr-FR" smtClean="0"/>
+              <a:rPr lang="fr-FR"/>
               <a:t>Quatrième niveau</a:t>
             </a:r>
           </a:p>
           <a:p>
             <a:pPr lvl="4"/>
             <a:r>
-              <a:rPr lang="fr-FR" smtClean="0"/>
+              <a:rPr lang="fr-FR"/>
               <a:t>Cinquième niveau</a:t>
             </a:r>
-            <a:endParaRPr lang="fr-FR"/>
           </a:p>
         </p:txBody>
       </p:sp>
@@ -1790,38 +1782,37 @@
           <a:p>
             <a:pPr lvl="0"/>
             <a:r>
-              <a:rPr lang="fr-FR" smtClean="0"/>
+              <a:rPr lang="fr-FR"/>
               <a:t>Cliquez pour modifier les styles du texte du masque</a:t>
             </a:r>
           </a:p>
           <a:p>
             <a:pPr lvl="1"/>
             <a:r>
-              <a:rPr lang="fr-FR" smtClean="0"/>
+              <a:rPr lang="fr-FR"/>
               <a:t>Deuxième niveau</a:t>
             </a:r>
           </a:p>
           <a:p>
             <a:pPr lvl="2"/>
             <a:r>
-              <a:rPr lang="fr-FR" smtClean="0"/>
+              <a:rPr lang="fr-FR"/>
               <a:t>Troisième niveau</a:t>
             </a:r>
           </a:p>
           <a:p>
             <a:pPr lvl="3"/>
             <a:r>
-              <a:rPr lang="fr-FR" smtClean="0"/>
+              <a:rPr lang="fr-FR"/>
               <a:t>Quatrième niveau</a:t>
             </a:r>
           </a:p>
           <a:p>
             <a:pPr lvl="4"/>
             <a:r>
-              <a:rPr lang="fr-FR" smtClean="0"/>
+              <a:rPr lang="fr-FR"/>
               <a:t>Cinquième niveau</a:t>
             </a:r>
-            <a:endParaRPr lang="fr-FR"/>
           </a:p>
         </p:txBody>
       </p:sp>
@@ -1880,10 +1871,9 @@
           </a:lstStyle>
           <a:p>
             <a:r>
-              <a:rPr lang="fr-FR" smtClean="0"/>
+              <a:rPr lang="fr-FR"/>
               <a:t>Cliquez pour modifier le style du titre</a:t>
             </a:r>
-            <a:endParaRPr lang="fr-FR"/>
           </a:p>
         </p:txBody>
       </p:sp>
@@ -1946,7 +1936,7 @@
           <a:p>
             <a:pPr lvl="0"/>
             <a:r>
-              <a:rPr lang="fr-FR" smtClean="0"/>
+              <a:rPr lang="fr-FR"/>
               <a:t>Cliquez pour modifier les styles du texte du masque</a:t>
             </a:r>
           </a:p>
@@ -2002,38 +1992,37 @@
           <a:p>
             <a:pPr lvl="0"/>
             <a:r>
-              <a:rPr lang="fr-FR" smtClean="0"/>
+              <a:rPr lang="fr-FR"/>
               <a:t>Cliquez pour modifier les styles du texte du masque</a:t>
             </a:r>
           </a:p>
           <a:p>
             <a:pPr lvl="1"/>
             <a:r>
-              <a:rPr lang="fr-FR" smtClean="0"/>
+              <a:rPr lang="fr-FR"/>
               <a:t>Deuxième niveau</a:t>
             </a:r>
           </a:p>
           <a:p>
             <a:pPr lvl="2"/>
             <a:r>
-              <a:rPr lang="fr-FR" smtClean="0"/>
+              <a:rPr lang="fr-FR"/>
               <a:t>Troisième niveau</a:t>
             </a:r>
           </a:p>
           <a:p>
             <a:pPr lvl="3"/>
             <a:r>
-              <a:rPr lang="fr-FR" smtClean="0"/>
+              <a:rPr lang="fr-FR"/>
               <a:t>Quatrième niveau</a:t>
             </a:r>
           </a:p>
           <a:p>
             <a:pPr lvl="4"/>
             <a:r>
-              <a:rPr lang="fr-FR" smtClean="0"/>
+              <a:rPr lang="fr-FR"/>
               <a:t>Cinquième niveau</a:t>
             </a:r>
-            <a:endParaRPr lang="fr-FR"/>
           </a:p>
         </p:txBody>
       </p:sp>
@@ -2096,7 +2085,7 @@
           <a:p>
             <a:pPr lvl="0"/>
             <a:r>
-              <a:rPr lang="fr-FR" smtClean="0"/>
+              <a:rPr lang="fr-FR"/>
               <a:t>Cliquez pour modifier les styles du texte du masque</a:t>
             </a:r>
           </a:p>
@@ -2152,38 +2141,37 @@
           <a:p>
             <a:pPr lvl="0"/>
             <a:r>
-              <a:rPr lang="fr-FR" smtClean="0"/>
+              <a:rPr lang="fr-FR"/>
               <a:t>Cliquez pour modifier les styles du texte du masque</a:t>
             </a:r>
           </a:p>
           <a:p>
             <a:pPr lvl="1"/>
             <a:r>
-              <a:rPr lang="fr-FR" smtClean="0"/>
+              <a:rPr lang="fr-FR"/>
               <a:t>Deuxième niveau</a:t>
             </a:r>
           </a:p>
           <a:p>
             <a:pPr lvl="2"/>
             <a:r>
-              <a:rPr lang="fr-FR" smtClean="0"/>
+              <a:rPr lang="fr-FR"/>
               <a:t>Troisième niveau</a:t>
             </a:r>
           </a:p>
           <a:p>
             <a:pPr lvl="3"/>
             <a:r>
-              <a:rPr lang="fr-FR" smtClean="0"/>
+              <a:rPr lang="fr-FR"/>
               <a:t>Quatrième niveau</a:t>
             </a:r>
           </a:p>
           <a:p>
             <a:pPr lvl="4"/>
             <a:r>
-              <a:rPr lang="fr-FR" smtClean="0"/>
+              <a:rPr lang="fr-FR"/>
               <a:t>Cinquième niveau</a:t>
             </a:r>
-            <a:endParaRPr lang="fr-FR"/>
           </a:p>
         </p:txBody>
       </p:sp>
@@ -2233,10 +2221,9 @@
           <a:lstStyle/>
           <a:p>
             <a:r>
-              <a:rPr lang="fr-FR" smtClean="0"/>
+              <a:rPr lang="fr-FR"/>
               <a:t>Cliquez pour modifier le style du titre</a:t>
             </a:r>
-            <a:endParaRPr lang="fr-FR"/>
           </a:p>
         </p:txBody>
       </p:sp>
@@ -2325,10 +2312,9 @@
           </a:lstStyle>
           <a:p>
             <a:r>
-              <a:rPr lang="fr-FR" smtClean="0"/>
+              <a:rPr lang="fr-FR"/>
               <a:t>Cliquez pour modifier le style du titre</a:t>
             </a:r>
-            <a:endParaRPr lang="fr-FR"/>
           </a:p>
         </p:txBody>
       </p:sp>
@@ -2382,38 +2368,37 @@
           <a:p>
             <a:pPr lvl="0"/>
             <a:r>
-              <a:rPr lang="fr-FR" smtClean="0"/>
+              <a:rPr lang="fr-FR"/>
               <a:t>Cliquez pour modifier les styles du texte du masque</a:t>
             </a:r>
           </a:p>
           <a:p>
             <a:pPr lvl="1"/>
             <a:r>
-              <a:rPr lang="fr-FR" smtClean="0"/>
+              <a:rPr lang="fr-FR"/>
               <a:t>Deuxième niveau</a:t>
             </a:r>
           </a:p>
           <a:p>
             <a:pPr lvl="2"/>
             <a:r>
-              <a:rPr lang="fr-FR" smtClean="0"/>
+              <a:rPr lang="fr-FR"/>
               <a:t>Troisième niveau</a:t>
             </a:r>
           </a:p>
           <a:p>
             <a:pPr lvl="3"/>
             <a:r>
-              <a:rPr lang="fr-FR" smtClean="0"/>
+              <a:rPr lang="fr-FR"/>
               <a:t>Quatrième niveau</a:t>
             </a:r>
           </a:p>
           <a:p>
             <a:pPr lvl="4"/>
             <a:r>
-              <a:rPr lang="fr-FR" smtClean="0"/>
+              <a:rPr lang="fr-FR"/>
               <a:t>Cinquième niveau</a:t>
             </a:r>
-            <a:endParaRPr lang="fr-FR"/>
           </a:p>
         </p:txBody>
       </p:sp>
@@ -2476,7 +2461,7 @@
           <a:p>
             <a:pPr lvl="0"/>
             <a:r>
-              <a:rPr lang="fr-FR" smtClean="0"/>
+              <a:rPr lang="fr-FR"/>
               <a:t>Cliquez pour modifier les styles du texte du masque</a:t>
             </a:r>
           </a:p>
@@ -2537,10 +2522,9 @@
           </a:lstStyle>
           <a:p>
             <a:r>
-              <a:rPr lang="fr-FR" smtClean="0"/>
+              <a:rPr lang="fr-FR"/>
               <a:t>Cliquez pour modifier le style du titre</a:t>
             </a:r>
-            <a:endParaRPr lang="fr-FR"/>
           </a:p>
         </p:txBody>
       </p:sp>
@@ -2602,7 +2586,7 @@
           </a:lstStyle>
           <a:p>
             <a:pPr lvl="0"/>
-            <a:endParaRPr lang="fr-FR" noProof="0" smtClean="0"/>
+            <a:endParaRPr lang="fr-FR" noProof="0"/>
           </a:p>
         </p:txBody>
       </p:sp>
@@ -2665,7 +2649,7 @@
           <a:p>
             <a:pPr lvl="0"/>
             <a:r>
-              <a:rPr lang="fr-FR" smtClean="0"/>
+              <a:rPr lang="fr-FR"/>
               <a:t>Cliquez pour modifier les styles du texte du masque</a:t>
             </a:r>
           </a:p>
@@ -2717,10 +2701,9 @@
           <a:lstStyle/>
           <a:p>
             <a:r>
-              <a:rPr lang="fr-FR" smtClean="0"/>
+              <a:rPr lang="fr-FR"/>
               <a:t>Cliquez pour modifier le style du titre</a:t>
             </a:r>
-            <a:endParaRPr lang="fr-FR"/>
           </a:p>
         </p:txBody>
       </p:sp>
@@ -2741,38 +2724,37 @@
           <a:p>
             <a:pPr lvl="0"/>
             <a:r>
-              <a:rPr lang="fr-FR" smtClean="0"/>
+              <a:rPr lang="fr-FR"/>
               <a:t>Cliquez pour modifier les styles du texte du masque</a:t>
             </a:r>
           </a:p>
           <a:p>
             <a:pPr lvl="1"/>
             <a:r>
-              <a:rPr lang="fr-FR" smtClean="0"/>
+              <a:rPr lang="fr-FR"/>
               <a:t>Deuxième niveau</a:t>
             </a:r>
           </a:p>
           <a:p>
             <a:pPr lvl="2"/>
             <a:r>
-              <a:rPr lang="fr-FR" smtClean="0"/>
+              <a:rPr lang="fr-FR"/>
               <a:t>Troisième niveau</a:t>
             </a:r>
           </a:p>
           <a:p>
             <a:pPr lvl="3"/>
             <a:r>
-              <a:rPr lang="fr-FR" smtClean="0"/>
+              <a:rPr lang="fr-FR"/>
               <a:t>Quatrième niveau</a:t>
             </a:r>
           </a:p>
           <a:p>
             <a:pPr lvl="4"/>
             <a:r>
-              <a:rPr lang="fr-FR" smtClean="0"/>
+              <a:rPr lang="fr-FR"/>
               <a:t>Cinquième niveau</a:t>
             </a:r>
-            <a:endParaRPr lang="fr-FR"/>
           </a:p>
         </p:txBody>
       </p:sp>
@@ -2953,7 +2935,7 @@
             <a:pPr eaLnBrk="1" hangingPunct="1">
               <a:defRPr/>
             </a:pPr>
-            <a:endParaRPr lang="fr-FR" altLang="fr-FR" smtClean="0"/>
+            <a:endParaRPr lang="fr-FR" altLang="fr-FR"/>
           </a:p>
         </p:txBody>
       </p:sp>
@@ -3107,7 +3089,7 @@
               <a:defRPr/>
             </a:pPr>
             <a:r>
-              <a:rPr lang="fr-FR" sz="1200" dirty="0" smtClean="0"/>
+              <a:rPr lang="fr-FR" sz="1200" dirty="0"/>
               <a:t>Page </a:t>
             </a:r>
             <a:fld id="{E218E9B1-FD08-4C80-902E-210BA2967D0D}" type="slidenum">
@@ -3120,7 +3102,7 @@
               </a:pPr>
               <a:t>‹N°›</a:t>
             </a:fld>
-            <a:endParaRPr lang="fr-FR" dirty="0" smtClean="0">
+            <a:endParaRPr lang="fr-FR" dirty="0">
               <a:latin typeface="Times New Roman" pitchFamily="18" charset="0"/>
             </a:endParaRPr>
           </a:p>
@@ -3276,10 +3258,10 @@
               <a:defRPr/>
             </a:pPr>
             <a:r>
-              <a:rPr lang="fr-FR" sz="1600" dirty="0" smtClean="0"/>
+              <a:rPr lang="fr-FR" sz="1600" dirty="0"/>
               <a:t>Python</a:t>
             </a:r>
-            <a:endParaRPr lang="fr-FR" dirty="0" smtClean="0">
+            <a:endParaRPr lang="fr-FR" dirty="0">
               <a:latin typeface="Times New Roman" pitchFamily="18" charset="0"/>
             </a:endParaRPr>
           </a:p>
@@ -3337,7 +3319,7 @@
           <a:p>
             <a:pPr lvl="0"/>
             <a:r>
-              <a:rPr lang="fr-FR" altLang="fr-FR" smtClean="0"/>
+              <a:rPr lang="fr-FR" altLang="fr-FR"/>
               <a:t>Cliquez pour modifier le style du titre du masque</a:t>
             </a:r>
           </a:p>
@@ -3395,35 +3377,35 @@
           <a:p>
             <a:pPr lvl="0"/>
             <a:r>
-              <a:rPr lang="fr-FR" altLang="fr-FR" smtClean="0"/>
+              <a:rPr lang="fr-FR" altLang="fr-FR"/>
               <a:t>Cliquez pour modifier les styles du texte du masque</a:t>
             </a:r>
           </a:p>
           <a:p>
             <a:pPr lvl="1"/>
             <a:r>
-              <a:rPr lang="fr-FR" altLang="fr-FR" smtClean="0"/>
+              <a:rPr lang="fr-FR" altLang="fr-FR"/>
               <a:t>Deuxième niveau</a:t>
             </a:r>
           </a:p>
           <a:p>
             <a:pPr lvl="2"/>
             <a:r>
-              <a:rPr lang="fr-FR" altLang="fr-FR" smtClean="0"/>
+              <a:rPr lang="fr-FR" altLang="fr-FR"/>
               <a:t>Troisième niveau</a:t>
             </a:r>
           </a:p>
           <a:p>
             <a:pPr lvl="3"/>
             <a:r>
-              <a:rPr lang="fr-FR" altLang="fr-FR" smtClean="0"/>
+              <a:rPr lang="fr-FR" altLang="fr-FR"/>
               <a:t>Quatrième niveau</a:t>
             </a:r>
           </a:p>
           <a:p>
             <a:pPr lvl="4"/>
             <a:r>
-              <a:rPr lang="fr-FR" altLang="fr-FR" smtClean="0"/>
+              <a:rPr lang="fr-FR" altLang="fr-FR"/>
               <a:t>Cinquième niveau</a:t>
             </a:r>
           </a:p>
@@ -3579,10 +3561,10 @@
               <a:defRPr/>
             </a:pPr>
             <a:r>
-              <a:rPr lang="fr-FR" sz="1200" smtClean="0"/>
+              <a:rPr lang="fr-FR" sz="1200"/>
               <a:t>© Cyril Vincent Conseil</a:t>
             </a:r>
-            <a:endParaRPr lang="fr-FR" smtClean="0">
+            <a:endParaRPr lang="fr-FR">
               <a:latin typeface="Times New Roman" pitchFamily="18" charset="0"/>
             </a:endParaRPr>
           </a:p>
@@ -4064,26 +4046,22 @@
           <a:p>
             <a:pPr eaLnBrk="1" hangingPunct="1"/>
             <a:r>
-              <a:rPr lang="fr-FR" altLang="fr-FR" smtClean="0"/>
-              <a:t>Chapitre </a:t>
-            </a:r>
-            <a:r>
-              <a:rPr lang="fr-FR" altLang="fr-FR" smtClean="0"/>
-              <a:t>3</a:t>
-            </a:r>
-            <a:endParaRPr lang="fr-FR" altLang="fr-FR" dirty="0" smtClean="0"/>
+              <a:rPr lang="fr-FR" altLang="fr-FR"/>
+              <a:t>Chapitre 3</a:t>
+            </a:r>
+            <a:endParaRPr lang="fr-FR" altLang="fr-FR" dirty="0"/>
           </a:p>
           <a:p>
             <a:pPr eaLnBrk="1" hangingPunct="1"/>
             <a:r>
-              <a:rPr lang="fr-FR" altLang="fr-FR" dirty="0" smtClean="0"/>
+              <a:rPr lang="fr-FR" altLang="fr-FR" dirty="0"/>
               <a:t>Data Lake  &amp; Data </a:t>
             </a:r>
             <a:r>
-              <a:rPr lang="fr-FR" altLang="fr-FR" dirty="0" err="1" smtClean="0"/>
+              <a:rPr lang="fr-FR" altLang="fr-FR" dirty="0" err="1"/>
               <a:t>Mart</a:t>
             </a:r>
-            <a:endParaRPr lang="fr-FR" altLang="fr-FR" dirty="0" smtClean="0"/>
+            <a:endParaRPr lang="fr-FR" altLang="fr-FR" dirty="0"/>
           </a:p>
         </p:txBody>
       </p:sp>
@@ -4134,10 +4112,9 @@
           <a:lstStyle/>
           <a:p>
             <a:r>
-              <a:rPr lang="fr-FR" sz="3600" dirty="0" smtClean="0"/>
+              <a:rPr lang="fr-FR" sz="3600" dirty="0"/>
               <a:t>Data Science</a:t>
             </a:r>
-            <a:endParaRPr lang="fr-FR" sz="3600" dirty="0"/>
           </a:p>
         </p:txBody>
       </p:sp>
@@ -4146,13 +4123,6 @@
   <p:clrMapOvr>
     <a:masterClrMapping/>
   </p:clrMapOvr>
-  <p:timing>
-    <p:tnLst>
-      <p:par>
-        <p:cTn id="1" dur="indefinite" restart="never" nodeType="tmRoot"/>
-      </p:par>
-    </p:tnLst>
-  </p:timing>
 </p:sld>
 </file>
 
@@ -4189,10 +4159,9 @@
           <a:lstStyle/>
           <a:p>
             <a:r>
-              <a:rPr lang="fr-FR" dirty="0" smtClean="0"/>
+              <a:rPr lang="fr-FR" dirty="0"/>
               <a:t>Volume</a:t>
             </a:r>
-            <a:endParaRPr lang="fr-FR" dirty="0"/>
           </a:p>
         </p:txBody>
       </p:sp>
@@ -4213,21 +4182,13 @@
           <a:p>
             <a:r>
               <a:rPr lang="fr-FR" dirty="0"/>
-              <a:t>Dans les systèmes d’information en place dans les entreprises, les volumes de données traités se mesurent en </a:t>
-            </a:r>
-            <a:r>
-              <a:rPr lang="fr-FR" dirty="0" smtClean="0"/>
-              <a:t>téraoctets</a:t>
-            </a:r>
-          </a:p>
-          <a:p>
-            <a:r>
-              <a:rPr lang="fr-FR" dirty="0" smtClean="0"/>
-              <a:t>Le </a:t>
-            </a:r>
-            <a:r>
-              <a:rPr lang="fr-FR" dirty="0"/>
-              <a:t>challenge immédiat de l’IT traditionnel est d’être en capacité de traiter des </a:t>
+              <a:t>Dans les systèmes d’information en place dans les entreprises, les volumes de données traités se mesurent en téraoctets</a:t>
+            </a:r>
+          </a:p>
+          <a:p>
+            <a:r>
+              <a:rPr lang="fr-FR" dirty="0"/>
+              <a:t>Le challenge immédiat de l’IT traditionnel est d’être en capacité de traiter des </a:t>
             </a:r>
             <a:r>
               <a:rPr lang="fr-FR" dirty="0" err="1"/>
@@ -4257,12 +4218,8 @@
           <a:p>
             <a:pPr lvl="1"/>
             <a:r>
-              <a:rPr lang="fr-FR" dirty="0" smtClean="0"/>
-              <a:t>S’ensuivent </a:t>
-            </a:r>
-            <a:r>
-              <a:rPr lang="fr-FR" dirty="0"/>
-              <a:t>une longue liste de questions auxquelles les spécialistes doivent apporter une réponse à plus ou moins long terme : quels sont les coûts ? Quels sont les outils de stockage et de traitement en temps réel ? Quelles sont les méthodes à adopter pour analyser l’information ? Quels sont les moyens pour archiver ? </a:t>
+              <a:rPr lang="fr-FR" dirty="0"/>
+              <a:t>S’ensuivent une longue liste de questions auxquelles les spécialistes doivent apporter une réponse à plus ou moins long terme : quels sont les coûts ? Quels sont les outils de stockage et de traitement en temps réel ? Quelles sont les méthodes à adopter pour analyser l’information ? Quels sont les moyens pour archiver ? </a:t>
             </a:r>
           </a:p>
         </p:txBody>
@@ -4313,10 +4270,9 @@
           <a:lstStyle/>
           <a:p>
             <a:r>
-              <a:rPr lang="fr-FR" dirty="0" smtClean="0"/>
+              <a:rPr lang="fr-FR" dirty="0"/>
               <a:t>Vélocité</a:t>
             </a:r>
-            <a:endParaRPr lang="fr-FR" dirty="0"/>
           </a:p>
         </p:txBody>
       </p:sp>
@@ -4337,37 +4293,21 @@
           <a:p>
             <a:r>
               <a:rPr lang="fr-FR" dirty="0"/>
-              <a:t>L’importance de l’immédiateté et de l’instantanéité pour recevoir ou émettre des informations par chacun d’entre nous et pour toutes les activités, professionnelles ou personnelles, du quotidien contraigne les organisations à améliorer leurs vitesses de réaction et </a:t>
-            </a:r>
-            <a:r>
-              <a:rPr lang="fr-FR" dirty="0" smtClean="0"/>
-              <a:t>d’anticipation</a:t>
+              <a:t>L’importance de l’immédiateté et de l’instantanéité pour recevoir ou émettre des informations par chacun d’entre nous et pour toutes les activités, professionnelles ou personnelles, du quotidien contraigne les organisations à améliorer leurs vitesses de réaction et d’anticipation</a:t>
             </a:r>
           </a:p>
           <a:p>
             <a:pPr lvl="1"/>
             <a:r>
-              <a:rPr lang="fr-FR" dirty="0" smtClean="0"/>
-              <a:t>L’information </a:t>
-            </a:r>
-            <a:r>
-              <a:rPr lang="fr-FR" dirty="0"/>
-              <a:t>n’est plus statique, mais elle devient un facteur de changement </a:t>
-            </a:r>
-            <a:r>
-              <a:rPr lang="fr-FR" dirty="0" smtClean="0"/>
-              <a:t>dynamique</a:t>
+              <a:rPr lang="fr-FR" dirty="0"/>
+              <a:t>L’information n’est plus statique, mais elle devient un facteur de changement dynamique</a:t>
             </a:r>
           </a:p>
           <a:p>
             <a:pPr lvl="1"/>
             <a:r>
-              <a:rPr lang="fr-FR" dirty="0" smtClean="0"/>
-              <a:t>Dans </a:t>
-            </a:r>
-            <a:r>
-              <a:rPr lang="fr-FR" dirty="0"/>
-              <a:t>ce contexte, comment l’intégrer en temps réel dans les schémas de données actuels conçus pour être alimentés en temps différé ? Comment canaliser ce déluge d’information dans des flux maîtrisés ? </a:t>
+              <a:rPr lang="fr-FR" dirty="0"/>
+              <a:t>Dans ce contexte, comment l’intégrer en temps réel dans les schémas de données actuels conçus pour être alimentés en temps différé ? Comment canaliser ce déluge d’information dans des flux maîtrisés ? </a:t>
             </a:r>
           </a:p>
         </p:txBody>
@@ -4418,10 +4358,9 @@
           <a:lstStyle/>
           <a:p>
             <a:r>
-              <a:rPr lang="fr-FR" dirty="0" smtClean="0"/>
+              <a:rPr lang="fr-FR" dirty="0"/>
               <a:t>Variété</a:t>
             </a:r>
-            <a:endParaRPr lang="fr-FR" dirty="0"/>
           </a:p>
         </p:txBody>
       </p:sp>
@@ -4446,16 +4385,12 @@
             </a:r>
             <a:r>
               <a:rPr lang="fr-FR"/>
-              <a:t>puis </a:t>
-            </a:r>
-            <a:r>
-              <a:rPr lang="fr-FR" smtClean="0"/>
-              <a:t>analysées</a:t>
-            </a:r>
-          </a:p>
-          <a:p>
-            <a:r>
-              <a:rPr lang="fr-FR" smtClean="0"/>
+              <a:t>puis analysées</a:t>
+            </a:r>
+          </a:p>
+          <a:p>
+            <a:r>
+              <a:rPr lang="fr-FR"/>
               <a:t>L’exploitation </a:t>
             </a:r>
             <a:r>
@@ -4511,7 +4446,7 @@
           <a:lstStyle/>
           <a:p>
             <a:r>
-              <a:rPr lang="fr-FR" dirty="0" err="1" smtClean="0"/>
+              <a:rPr lang="fr-FR" dirty="0" err="1"/>
               <a:t>DataMart</a:t>
             </a:r>
             <a:endParaRPr lang="fr-FR" dirty="0"/>
@@ -4543,28 +4478,15 @@
             </a:r>
             <a:r>
               <a:rPr lang="fr-FR" dirty="0"/>
-              <a:t> est un ensemble de données ciblées, organisées, regroupées et agrégées pour répondre à un besoin spécifique à un métier ou un domaine </a:t>
-            </a:r>
-            <a:r>
-              <a:rPr lang="fr-FR" dirty="0" smtClean="0"/>
-              <a:t>donné</a:t>
+              <a:t> est un ensemble de données ciblées, organisées, regroupées et agrégées pour répondre à un besoin spécifique à un métier ou un domaine donné</a:t>
             </a:r>
           </a:p>
           <a:p>
             <a:pPr lvl="1"/>
             <a:r>
-              <a:rPr lang="fr-FR" dirty="0" smtClean="0"/>
-              <a:t>Il </a:t>
-            </a:r>
-            <a:r>
-              <a:rPr lang="fr-FR" dirty="0"/>
-              <a:t>est donc destiné à être interrogé sur un panel de données restreint à son domaine fonctionnel, selon des paramètres qui auront été définis à l’avance lors de sa </a:t>
-            </a:r>
-            <a:r>
-              <a:rPr lang="fr-FR" dirty="0" smtClean="0"/>
-              <a:t>conception</a:t>
-            </a:r>
-            <a:endParaRPr lang="fr-FR" dirty="0"/>
+              <a:rPr lang="fr-FR" dirty="0"/>
+              <a:t>Il est donc destiné à être interrogé sur un panel de données restreint à son domaine fonctionnel, selon des paramètres qui auront été définis à l’avance lors de sa conception</a:t>
+            </a:r>
           </a:p>
         </p:txBody>
       </p:sp>
@@ -4614,7 +4536,7 @@
           <a:lstStyle/>
           <a:p>
             <a:r>
-              <a:rPr lang="fr-FR" dirty="0" err="1" smtClean="0"/>
+              <a:rPr lang="fr-FR" dirty="0" err="1"/>
               <a:t>DataWarehouse</a:t>
             </a:r>
             <a:endParaRPr lang="fr-FR" dirty="0"/>
@@ -4637,18 +4559,14 @@
           <a:lstStyle/>
           <a:p>
             <a:r>
-              <a:rPr lang="fr-FR" dirty="0" smtClean="0"/>
+              <a:rPr lang="fr-FR" dirty="0"/>
               <a:t>Définition de Kimball</a:t>
             </a:r>
           </a:p>
           <a:p>
             <a:r>
-              <a:rPr lang="fr-FR" dirty="0" smtClean="0"/>
-              <a:t>L’ensemble </a:t>
-            </a:r>
-            <a:r>
-              <a:rPr lang="fr-FR" dirty="0"/>
-              <a:t>des </a:t>
+              <a:rPr lang="fr-FR" dirty="0"/>
+              <a:t>L’ensemble des </a:t>
             </a:r>
             <a:r>
               <a:rPr lang="fr-FR" dirty="0" err="1"/>
@@ -4669,23 +4587,23 @@
           </a:p>
           <a:p>
             <a:r>
-              <a:rPr lang="fr-FR" dirty="0" smtClean="0"/>
+              <a:rPr lang="fr-FR" dirty="0"/>
               <a:t>Le </a:t>
             </a:r>
             <a:r>
-              <a:rPr lang="fr-FR" dirty="0" err="1" smtClean="0"/>
+              <a:rPr lang="fr-FR" dirty="0" err="1"/>
               <a:t>DataMart</a:t>
             </a:r>
             <a:r>
-              <a:rPr lang="fr-FR" dirty="0" smtClean="0"/>
+              <a:rPr lang="fr-FR" dirty="0"/>
               <a:t> est un sous-ensemble du </a:t>
             </a:r>
             <a:r>
-              <a:rPr lang="fr-FR" dirty="0" err="1" smtClean="0"/>
+              <a:rPr lang="fr-FR" dirty="0" err="1"/>
               <a:t>DataWarehouse</a:t>
             </a:r>
             <a:r>
-              <a:rPr lang="fr-FR" dirty="0" smtClean="0"/>
+              <a:rPr lang="fr-FR" dirty="0"/>
               <a:t>, constitué de tables au niveau détail et à des niveaux plus agrégés, permettant de restituer tout le spectre d’une activité métier</a:t>
             </a:r>
           </a:p>
@@ -4737,11 +4655,11 @@
           <a:lstStyle/>
           <a:p>
             <a:r>
-              <a:rPr lang="fr-FR" dirty="0" smtClean="0"/>
+              <a:rPr lang="fr-FR" dirty="0"/>
               <a:t>Définition de </a:t>
             </a:r>
             <a:r>
-              <a:rPr lang="fr-FR" dirty="0" err="1" smtClean="0"/>
+              <a:rPr lang="fr-FR" dirty="0" err="1"/>
               <a:t>Inmon</a:t>
             </a:r>
             <a:endParaRPr lang="fr-FR" dirty="0"/>
@@ -4764,7 +4682,7 @@
           <a:lstStyle/>
           <a:p>
             <a:r>
-              <a:rPr lang="fr-FR" dirty="0" smtClean="0"/>
+              <a:rPr lang="fr-FR" dirty="0"/>
               <a:t>Le </a:t>
             </a:r>
             <a:r>
@@ -4776,23 +4694,15 @@
               <a:t> est issu d’un flux de données provenant du </a:t>
             </a:r>
             <a:r>
-              <a:rPr lang="fr-FR" dirty="0" err="1" smtClean="0"/>
+              <a:rPr lang="fr-FR" dirty="0" err="1"/>
               <a:t>DataWarehouse</a:t>
             </a:r>
-            <a:endParaRPr lang="fr-FR" dirty="0" smtClean="0"/>
-          </a:p>
-          <a:p>
-            <a:r>
-              <a:rPr lang="fr-FR" dirty="0" smtClean="0"/>
-              <a:t>Contrairement </a:t>
-            </a:r>
-            <a:r>
-              <a:rPr lang="fr-FR" dirty="0"/>
-              <a:t>à ce dernier qui présente le détail des données pour toute l’entreprise, il a vocation à présenter la donnée de manière spécialisée, agrégée et regroupée </a:t>
-            </a:r>
-            <a:r>
-              <a:rPr lang="fr-FR" dirty="0" smtClean="0"/>
-              <a:t>fonctionnellement</a:t>
+            <a:endParaRPr lang="fr-FR" dirty="0"/>
+          </a:p>
+          <a:p>
+            <a:r>
+              <a:rPr lang="fr-FR" dirty="0"/>
+              <a:t>Contrairement à ce dernier qui présente le détail des données pour toute l’entreprise, il a vocation à présenter la donnée de manière spécialisée, agrégée et regroupée fonctionnellement</a:t>
             </a:r>
           </a:p>
         </p:txBody>
@@ -4843,7 +4753,7 @@
           <a:lstStyle/>
           <a:p>
             <a:r>
-              <a:rPr lang="fr-FR" dirty="0" err="1" smtClean="0"/>
+              <a:rPr lang="fr-FR" dirty="0" err="1"/>
               <a:t>Hadoop</a:t>
             </a:r>
             <a:endParaRPr lang="fr-FR" dirty="0"/>
@@ -4866,47 +4776,46 @@
           <a:lstStyle/>
           <a:p>
             <a:r>
-              <a:rPr lang="fr-FR" dirty="0" smtClean="0"/>
+              <a:rPr lang="fr-FR" dirty="0"/>
               <a:t>Google </a:t>
             </a:r>
             <a:r>
-              <a:rPr lang="fr-FR" dirty="0" err="1" smtClean="0"/>
+              <a:rPr lang="fr-FR" dirty="0" err="1"/>
               <a:t>Hadoop</a:t>
             </a:r>
-            <a:endParaRPr lang="fr-FR" dirty="0" smtClean="0"/>
-          </a:p>
-          <a:p>
-            <a:r>
-              <a:rPr lang="fr-FR" dirty="0" err="1" smtClean="0"/>
+            <a:endParaRPr lang="fr-FR" dirty="0"/>
+          </a:p>
+          <a:p>
+            <a:r>
+              <a:rPr lang="fr-FR" dirty="0" err="1"/>
               <a:t>Big</a:t>
             </a:r>
             <a:r>
-              <a:rPr lang="fr-FR" dirty="0" smtClean="0"/>
+              <a:rPr lang="fr-FR" dirty="0"/>
               <a:t> Data</a:t>
             </a:r>
           </a:p>
           <a:p>
             <a:r>
-              <a:rPr lang="fr-FR" dirty="0" smtClean="0"/>
+              <a:rPr lang="fr-FR" dirty="0"/>
               <a:t>Non structuré</a:t>
             </a:r>
           </a:p>
           <a:p>
             <a:r>
-              <a:rPr lang="fr-FR" dirty="0" err="1" smtClean="0"/>
+              <a:rPr lang="fr-FR" dirty="0" err="1"/>
               <a:t>Peta</a:t>
             </a:r>
             <a:r>
-              <a:rPr lang="fr-FR" dirty="0" smtClean="0"/>
+              <a:rPr lang="fr-FR" dirty="0"/>
               <a:t>-octet</a:t>
             </a:r>
           </a:p>
           <a:p>
             <a:r>
-              <a:rPr lang="fr-FR" dirty="0" smtClean="0"/>
+              <a:rPr lang="fr-FR" dirty="0"/>
               <a:t>Cloud</a:t>
             </a:r>
-            <a:endParaRPr lang="fr-FR" dirty="0"/>
           </a:p>
         </p:txBody>
       </p:sp>
@@ -4956,19 +4865,19 @@
           <a:lstStyle/>
           <a:p>
             <a:r>
-              <a:rPr lang="fr-FR" dirty="0" smtClean="0"/>
+              <a:rPr lang="fr-FR" dirty="0"/>
               <a:t>Transformer le </a:t>
             </a:r>
             <a:r>
-              <a:rPr lang="fr-FR" dirty="0" err="1" smtClean="0"/>
+              <a:rPr lang="fr-FR" dirty="0" err="1"/>
               <a:t>DataLake</a:t>
             </a:r>
             <a:r>
-              <a:rPr lang="fr-FR" dirty="0" smtClean="0"/>
+              <a:rPr lang="fr-FR" dirty="0"/>
               <a:t> en </a:t>
             </a:r>
             <a:r>
-              <a:rPr lang="fr-FR" dirty="0" err="1" smtClean="0"/>
+              <a:rPr lang="fr-FR" dirty="0" err="1"/>
               <a:t>DataMart</a:t>
             </a:r>
             <a:endParaRPr lang="fr-FR" dirty="0"/>
@@ -4991,68 +4900,68 @@
           <a:lstStyle/>
           <a:p>
             <a:r>
-              <a:rPr lang="fr-FR" dirty="0" smtClean="0"/>
+              <a:rPr lang="fr-FR" dirty="0"/>
               <a:t>Utilisation de données structurées</a:t>
             </a:r>
           </a:p>
           <a:p>
             <a:r>
-              <a:rPr lang="fr-FR" dirty="0" smtClean="0"/>
+              <a:rPr lang="fr-FR" dirty="0"/>
               <a:t>Base de données relationnelles</a:t>
             </a:r>
           </a:p>
           <a:p>
             <a:r>
-              <a:rPr lang="fr-FR" dirty="0" smtClean="0"/>
+              <a:rPr lang="fr-FR" dirty="0"/>
               <a:t>Base de données </a:t>
             </a:r>
             <a:r>
-              <a:rPr lang="fr-FR" dirty="0" err="1" smtClean="0"/>
+              <a:rPr lang="fr-FR" dirty="0" err="1"/>
               <a:t>big</a:t>
             </a:r>
             <a:r>
-              <a:rPr lang="fr-FR" dirty="0" smtClean="0"/>
+              <a:rPr lang="fr-FR" dirty="0"/>
               <a:t> data</a:t>
             </a:r>
           </a:p>
           <a:p>
             <a:pPr lvl="1"/>
             <a:r>
-              <a:rPr lang="fr-FR" dirty="0" err="1" smtClean="0"/>
+              <a:rPr lang="fr-FR" dirty="0" err="1"/>
               <a:t>Hadoop</a:t>
             </a:r>
             <a:r>
-              <a:rPr lang="fr-FR" dirty="0" smtClean="0"/>
+              <a:rPr lang="fr-FR" dirty="0"/>
               <a:t> + </a:t>
             </a:r>
             <a:r>
-              <a:rPr lang="fr-FR" dirty="0" err="1" smtClean="0"/>
+              <a:rPr lang="fr-FR" dirty="0" err="1"/>
               <a:t>Stucturation</a:t>
             </a:r>
-            <a:endParaRPr lang="fr-FR" dirty="0" smtClean="0"/>
+            <a:endParaRPr lang="fr-FR" dirty="0"/>
           </a:p>
           <a:p>
             <a:pPr lvl="1"/>
             <a:r>
-              <a:rPr lang="fr-FR" dirty="0" smtClean="0"/>
+              <a:rPr lang="fr-FR" dirty="0"/>
               <a:t>Base de types JSON : </a:t>
             </a:r>
             <a:r>
-              <a:rPr lang="fr-FR" dirty="0" err="1" smtClean="0"/>
+              <a:rPr lang="fr-FR" dirty="0" err="1"/>
               <a:t>MongoDB</a:t>
             </a:r>
-            <a:endParaRPr lang="fr-FR" dirty="0" smtClean="0"/>
-          </a:p>
-          <a:p>
-            <a:r>
-              <a:rPr lang="fr-FR" dirty="0" smtClean="0"/>
+            <a:endParaRPr lang="fr-FR" dirty="0"/>
+          </a:p>
+          <a:p>
+            <a:r>
+              <a:rPr lang="fr-FR" dirty="0"/>
               <a:t>Fichiers</a:t>
             </a:r>
           </a:p>
           <a:p>
             <a:pPr lvl="1"/>
             <a:r>
-              <a:rPr lang="fr-FR" dirty="0" smtClean="0"/>
+              <a:rPr lang="fr-FR" dirty="0"/>
               <a:t>CSV, JSON, XML</a:t>
             </a:r>
           </a:p>
@@ -5104,10 +5013,9 @@
           <a:lstStyle/>
           <a:p>
             <a:r>
-              <a:rPr lang="fr-FR" dirty="0" smtClean="0"/>
+              <a:rPr lang="fr-FR" dirty="0"/>
               <a:t>Nettoyage</a:t>
             </a:r>
-            <a:endParaRPr lang="fr-FR" dirty="0"/>
           </a:p>
         </p:txBody>
       </p:sp>
@@ -5127,51 +5035,51 @@
           <a:lstStyle/>
           <a:p>
             <a:r>
-              <a:rPr lang="fr-FR" dirty="0" smtClean="0"/>
+              <a:rPr lang="fr-FR" dirty="0"/>
               <a:t>Il faut nettoyer les données</a:t>
             </a:r>
           </a:p>
           <a:p>
             <a:pPr lvl="1"/>
             <a:r>
-              <a:rPr lang="fr-FR" dirty="0" smtClean="0"/>
+              <a:rPr lang="fr-FR" dirty="0"/>
               <a:t>Aberration</a:t>
             </a:r>
           </a:p>
           <a:p>
             <a:pPr lvl="1"/>
             <a:r>
-              <a:rPr lang="fr-FR" dirty="0" smtClean="0"/>
+              <a:rPr lang="fr-FR" dirty="0"/>
               <a:t>Hors contexte</a:t>
             </a:r>
           </a:p>
           <a:p>
             <a:pPr lvl="1"/>
             <a:r>
-              <a:rPr lang="fr-FR" dirty="0" smtClean="0"/>
+              <a:rPr lang="fr-FR" dirty="0"/>
               <a:t>Sécurité</a:t>
             </a:r>
           </a:p>
           <a:p>
             <a:pPr lvl="1"/>
             <a:r>
-              <a:rPr lang="fr-FR" dirty="0" smtClean="0"/>
+              <a:rPr lang="fr-FR" dirty="0"/>
               <a:t>En dehors de la loi</a:t>
             </a:r>
           </a:p>
           <a:p>
             <a:pPr lvl="1"/>
             <a:r>
-              <a:rPr lang="fr-FR" dirty="0" smtClean="0"/>
+              <a:rPr lang="fr-FR" dirty="0"/>
               <a:t>Prétraitement</a:t>
             </a:r>
           </a:p>
           <a:p>
             <a:pPr lvl="1"/>
-            <a:endParaRPr lang="fr-FR" dirty="0" smtClean="0"/>
-          </a:p>
-          <a:p>
-            <a:endParaRPr lang="fr-FR" dirty="0" smtClean="0"/>
+            <a:endParaRPr lang="fr-FR" dirty="0"/>
+          </a:p>
+          <a:p>
+            <a:endParaRPr lang="fr-FR" dirty="0"/>
           </a:p>
           <a:p>
             <a:endParaRPr lang="fr-FR" dirty="0"/>
@@ -5229,7 +5137,7 @@
               </a:spcAft>
             </a:pPr>
             <a:r>
-              <a:rPr lang="fr-FR" altLang="fr-FR" dirty="0" smtClean="0"/>
+              <a:rPr lang="fr-FR" altLang="fr-FR" dirty="0"/>
               <a:t>SGBD</a:t>
             </a:r>
           </a:p>
@@ -5257,98 +5165,98 @@
           <a:p>
             <a:pPr eaLnBrk="1" hangingPunct="1"/>
             <a:r>
-              <a:rPr lang="fr-FR" altLang="fr-FR" sz="2400" dirty="0" smtClean="0"/>
+              <a:rPr lang="fr-FR" altLang="fr-FR" sz="2400" dirty="0"/>
               <a:t>Il est souvent utilise d’utiliser une base de données</a:t>
             </a:r>
           </a:p>
           <a:p>
             <a:pPr eaLnBrk="1" hangingPunct="1"/>
             <a:r>
-              <a:rPr lang="fr-FR" altLang="fr-FR" sz="2400" dirty="0" smtClean="0"/>
+              <a:rPr lang="fr-FR" altLang="fr-FR" sz="2400" dirty="0"/>
               <a:t>Deux types</a:t>
             </a:r>
           </a:p>
           <a:p>
             <a:pPr lvl="1" eaLnBrk="1" hangingPunct="1"/>
             <a:r>
-              <a:rPr lang="fr-FR" altLang="fr-FR" sz="1800" dirty="0" smtClean="0"/>
+              <a:rPr lang="fr-FR" altLang="fr-FR" sz="1800" dirty="0"/>
               <a:t>SQL</a:t>
             </a:r>
           </a:p>
           <a:p>
             <a:pPr lvl="1" eaLnBrk="1" hangingPunct="1"/>
             <a:r>
-              <a:rPr lang="fr-FR" altLang="fr-FR" sz="1800" dirty="0" err="1" smtClean="0"/>
+              <a:rPr lang="fr-FR" altLang="fr-FR" sz="1800" dirty="0" err="1"/>
               <a:t>NoSql</a:t>
             </a:r>
-            <a:endParaRPr lang="fr-FR" altLang="fr-FR" sz="1800" dirty="0" smtClean="0"/>
+            <a:endParaRPr lang="fr-FR" altLang="fr-FR" sz="1800" dirty="0"/>
           </a:p>
           <a:p>
             <a:pPr eaLnBrk="1" hangingPunct="1"/>
             <a:r>
-              <a:rPr lang="fr-FR" altLang="fr-FR" sz="2400" dirty="0" err="1" smtClean="0"/>
+              <a:rPr lang="fr-FR" altLang="fr-FR" sz="2400" dirty="0" err="1"/>
               <a:t>Sql</a:t>
             </a:r>
-            <a:endParaRPr lang="fr-FR" altLang="fr-FR" sz="2400" dirty="0" smtClean="0"/>
+            <a:endParaRPr lang="fr-FR" altLang="fr-FR" sz="2400" dirty="0"/>
           </a:p>
           <a:p>
             <a:pPr lvl="1" eaLnBrk="1" hangingPunct="1"/>
             <a:r>
-              <a:rPr lang="fr-FR" altLang="fr-FR" sz="1800" dirty="0" smtClean="0"/>
+              <a:rPr lang="fr-FR" altLang="fr-FR" sz="1800" dirty="0"/>
               <a:t>Microsoft </a:t>
             </a:r>
             <a:r>
-              <a:rPr lang="fr-FR" altLang="fr-FR" sz="1800" dirty="0" err="1" smtClean="0"/>
+              <a:rPr lang="fr-FR" altLang="fr-FR" sz="1800" dirty="0" err="1"/>
               <a:t>Sql</a:t>
             </a:r>
             <a:r>
-              <a:rPr lang="fr-FR" altLang="fr-FR" sz="1800" dirty="0" smtClean="0"/>
+              <a:rPr lang="fr-FR" altLang="fr-FR" sz="1800" dirty="0"/>
               <a:t> Server</a:t>
             </a:r>
           </a:p>
           <a:p>
             <a:pPr lvl="1" eaLnBrk="1" hangingPunct="1"/>
             <a:r>
-              <a:rPr lang="fr-FR" altLang="fr-FR" sz="1800" dirty="0" smtClean="0"/>
+              <a:rPr lang="fr-FR" altLang="fr-FR" sz="1800" dirty="0"/>
               <a:t>Oracle</a:t>
             </a:r>
           </a:p>
           <a:p>
             <a:pPr lvl="1" eaLnBrk="1" hangingPunct="1"/>
             <a:r>
-              <a:rPr lang="fr-FR" altLang="fr-FR" sz="1800" dirty="0" err="1" smtClean="0"/>
+              <a:rPr lang="fr-FR" altLang="fr-FR" sz="1800" dirty="0" err="1"/>
               <a:t>MySql</a:t>
             </a:r>
-            <a:endParaRPr lang="fr-FR" altLang="fr-FR" sz="1800" dirty="0" smtClean="0"/>
+            <a:endParaRPr lang="fr-FR" altLang="fr-FR" sz="1800" dirty="0"/>
           </a:p>
           <a:p>
             <a:pPr lvl="1" eaLnBrk="1" hangingPunct="1"/>
             <a:r>
-              <a:rPr lang="fr-FR" altLang="fr-FR" sz="1800" dirty="0" err="1" smtClean="0"/>
+              <a:rPr lang="fr-FR" altLang="fr-FR" sz="1800" dirty="0" err="1"/>
               <a:t>PostgreSql</a:t>
             </a:r>
-            <a:endParaRPr lang="fr-FR" altLang="fr-FR" sz="1800" dirty="0" smtClean="0"/>
+            <a:endParaRPr lang="fr-FR" altLang="fr-FR" sz="1800" dirty="0"/>
           </a:p>
           <a:p>
             <a:pPr lvl="1" eaLnBrk="1" hangingPunct="1"/>
             <a:r>
-              <a:rPr lang="fr-FR" altLang="fr-FR" sz="1800" dirty="0" err="1" smtClean="0"/>
+              <a:rPr lang="fr-FR" altLang="fr-FR" sz="1800" dirty="0" err="1"/>
               <a:t>Sqlite</a:t>
             </a:r>
-            <a:endParaRPr lang="fr-FR" altLang="fr-FR" sz="1800" dirty="0" smtClean="0"/>
+            <a:endParaRPr lang="fr-FR" altLang="fr-FR" sz="1800" dirty="0"/>
           </a:p>
           <a:p>
             <a:pPr eaLnBrk="1" hangingPunct="1"/>
             <a:r>
-              <a:rPr lang="fr-FR" altLang="fr-FR" sz="2400" dirty="0" err="1" smtClean="0"/>
+              <a:rPr lang="fr-FR" altLang="fr-FR" sz="2400" dirty="0" err="1"/>
               <a:t>NoSql</a:t>
             </a:r>
-            <a:endParaRPr lang="fr-FR" altLang="fr-FR" sz="2400" dirty="0" smtClean="0"/>
+            <a:endParaRPr lang="fr-FR" altLang="fr-FR" sz="2400" dirty="0"/>
           </a:p>
           <a:p>
             <a:pPr lvl="1" eaLnBrk="1" hangingPunct="1"/>
             <a:r>
-              <a:rPr lang="fr-FR" altLang="fr-FR" sz="1800" dirty="0" smtClean="0"/>
+              <a:rPr lang="fr-FR" altLang="fr-FR" sz="1800" dirty="0"/>
               <a:t>JSON</a:t>
             </a:r>
           </a:p>
@@ -5400,10 +5308,9 @@
           <a:lstStyle/>
           <a:p>
             <a:r>
-              <a:rPr lang="fr-FR" dirty="0" smtClean="0"/>
+              <a:rPr lang="fr-FR" dirty="0"/>
               <a:t>Data Lake</a:t>
             </a:r>
-            <a:endParaRPr lang="fr-FR" dirty="0"/>
           </a:p>
         </p:txBody>
       </p:sp>
@@ -5424,15 +5331,7 @@
           <a:p>
             <a:r>
               <a:rPr lang="fr-FR" dirty="0"/>
-              <a:t>Un lac de </a:t>
-            </a:r>
-            <a:r>
-              <a:rPr lang="fr-FR" dirty="0" smtClean="0"/>
-              <a:t>données est </a:t>
-            </a:r>
-            <a:r>
-              <a:rPr lang="fr-FR" dirty="0"/>
-              <a:t>une méthode de stockage des données utilisée par le </a:t>
+              <a:t>Un lac de données est une méthode de stockage des données utilisée par le </a:t>
             </a:r>
             <a:r>
               <a:rPr lang="fr-FR" dirty="0" err="1"/>
@@ -5440,67 +5339,43 @@
             </a:r>
             <a:r>
               <a:rPr lang="fr-FR" dirty="0"/>
-              <a:t> </a:t>
-            </a:r>
-            <a:r>
-              <a:rPr lang="fr-FR" dirty="0" smtClean="0"/>
-              <a:t>data</a:t>
-            </a:r>
-          </a:p>
-          <a:p>
-            <a:r>
-              <a:rPr lang="fr-FR" dirty="0" smtClean="0"/>
-              <a:t>Ces </a:t>
-            </a:r>
-            <a:r>
-              <a:rPr lang="fr-FR" dirty="0"/>
-              <a:t>données sont gardées dans leurs formats originaux ou sont très peu </a:t>
-            </a:r>
-            <a:r>
-              <a:rPr lang="fr-FR" dirty="0" smtClean="0"/>
-              <a:t>transformées</a:t>
-            </a:r>
-          </a:p>
-          <a:p>
-            <a:r>
-              <a:rPr lang="fr-FR" dirty="0" smtClean="0"/>
-              <a:t>Le </a:t>
-            </a:r>
-            <a:r>
-              <a:rPr lang="fr-FR" dirty="0"/>
-              <a:t>principe est d'avoir dans un lieu des données de natures </a:t>
-            </a:r>
-            <a:r>
-              <a:rPr lang="fr-FR" dirty="0" smtClean="0"/>
-              <a:t>différentes</a:t>
+              <a:t> data</a:t>
+            </a:r>
+          </a:p>
+          <a:p>
+            <a:r>
+              <a:rPr lang="fr-FR" dirty="0"/>
+              <a:t>Ces données sont gardées dans leurs formats originaux ou sont très peu transformées</a:t>
+            </a:r>
+          </a:p>
+          <a:p>
+            <a:r>
+              <a:rPr lang="fr-FR" dirty="0"/>
+              <a:t>Le principe est d'avoir dans un lieu des données de natures différentes</a:t>
             </a:r>
           </a:p>
           <a:p>
             <a:pPr lvl="1"/>
             <a:r>
-              <a:rPr lang="fr-FR" dirty="0" smtClean="0"/>
+              <a:rPr lang="fr-FR" dirty="0"/>
               <a:t>Fichiers</a:t>
             </a:r>
           </a:p>
           <a:p>
             <a:pPr lvl="1"/>
             <a:r>
-              <a:rPr lang="fr-FR" dirty="0" smtClean="0"/>
+              <a:rPr lang="fr-FR" dirty="0"/>
               <a:t>Blobs</a:t>
             </a:r>
           </a:p>
           <a:p>
             <a:r>
-              <a:rPr lang="fr-FR" dirty="0" err="1" smtClean="0"/>
+              <a:rPr lang="fr-FR" dirty="0" err="1"/>
               <a:t>Hadoop</a:t>
             </a:r>
             <a:r>
-              <a:rPr lang="fr-FR" dirty="0" smtClean="0"/>
-              <a:t> </a:t>
-            </a:r>
-            <a:r>
-              <a:rPr lang="fr-FR" dirty="0"/>
-              <a:t>et Amazon Web Services S3 sont des plateformes utilisées pour les mettre en place.</a:t>
+              <a:rPr lang="fr-FR" dirty="0"/>
+              <a:t> et Amazon Web Services S3 sont des plateformes utilisées pour les mettre en place.</a:t>
             </a:r>
           </a:p>
         </p:txBody>
@@ -5551,10 +5426,9 @@
           <a:lstStyle/>
           <a:p>
             <a:r>
-              <a:rPr lang="fr-FR" dirty="0" smtClean="0"/>
+              <a:rPr lang="fr-FR" dirty="0"/>
               <a:t>Cela peut être des images</a:t>
             </a:r>
-            <a:endParaRPr lang="fr-FR" dirty="0"/>
           </a:p>
         </p:txBody>
       </p:sp>
@@ -5647,10 +5521,9 @@
           <a:lstStyle/>
           <a:p>
             <a:r>
-              <a:rPr lang="fr-FR" dirty="0" smtClean="0"/>
+              <a:rPr lang="fr-FR" dirty="0"/>
               <a:t>Peut être du texte brut</a:t>
             </a:r>
-            <a:endParaRPr lang="fr-FR" dirty="0"/>
           </a:p>
         </p:txBody>
       </p:sp>
@@ -5670,29 +5543,28 @@
           <a:lstStyle/>
           <a:p>
             <a:r>
-              <a:rPr lang="fr-FR" dirty="0" smtClean="0"/>
+              <a:rPr lang="fr-FR" dirty="0"/>
               <a:t>Le contenu de </a:t>
             </a:r>
             <a:r>
-              <a:rPr lang="fr-FR" dirty="0" err="1" smtClean="0"/>
+              <a:rPr lang="fr-FR" dirty="0" err="1"/>
               <a:t>wikipedia</a:t>
             </a:r>
-            <a:endParaRPr lang="fr-FR" dirty="0" smtClean="0"/>
-          </a:p>
-          <a:p>
-            <a:r>
-              <a:rPr lang="fr-FR" dirty="0" smtClean="0"/>
-              <a:t>Les ouvres complètes de </a:t>
-            </a:r>
-            <a:r>
-              <a:rPr lang="fr-FR" dirty="0"/>
-              <a:t>V</a:t>
-            </a:r>
-            <a:r>
-              <a:rPr lang="fr-FR" dirty="0" smtClean="0"/>
-              <a:t>ictor Hugo</a:t>
-            </a:r>
             <a:endParaRPr lang="fr-FR" dirty="0"/>
+          </a:p>
+          <a:p>
+            <a:r>
+              <a:rPr lang="fr-FR" dirty="0"/>
+              <a:t>Les </a:t>
+            </a:r>
+            <a:r>
+              <a:rPr lang="fr-FR" dirty="0" err="1"/>
+              <a:t>oeuvres</a:t>
+            </a:r>
+            <a:r>
+              <a:rPr lang="fr-FR" dirty="0"/>
+              <a:t> complètes de Victor Hugo</a:t>
+            </a:r>
           </a:p>
         </p:txBody>
       </p:sp>
@@ -5742,10 +5614,9 @@
           <a:lstStyle/>
           <a:p>
             <a:r>
-              <a:rPr lang="fr-FR" dirty="0" smtClean="0"/>
+              <a:rPr lang="fr-FR" dirty="0"/>
               <a:t>Peut être du texte écrit ou scanné</a:t>
             </a:r>
-            <a:endParaRPr lang="fr-FR" dirty="0"/>
           </a:p>
         </p:txBody>
       </p:sp>
@@ -5821,10 +5692,9 @@
           <a:lstStyle/>
           <a:p>
             <a:r>
-              <a:rPr lang="fr-FR" dirty="0" smtClean="0"/>
+              <a:rPr lang="fr-FR" dirty="0"/>
               <a:t>Les nouvelles sources de données</a:t>
             </a:r>
-            <a:endParaRPr lang="fr-FR" dirty="0"/>
           </a:p>
         </p:txBody>
       </p:sp>
@@ -5934,7 +5804,7 @@
           <a:lstStyle/>
           <a:p>
             <a:r>
-              <a:rPr lang="fr-FR" dirty="0" err="1" smtClean="0"/>
+              <a:rPr lang="fr-FR" dirty="0" err="1"/>
               <a:t>IoT</a:t>
             </a:r>
             <a:endParaRPr lang="fr-FR" dirty="0"/>
@@ -6050,10 +5920,9 @@
           <a:lstStyle/>
           <a:p>
             <a:r>
-              <a:rPr lang="fr-FR" dirty="0" smtClean="0"/>
+              <a:rPr lang="fr-FR" dirty="0"/>
               <a:t>Exemple des loyers</a:t>
             </a:r>
-            <a:endParaRPr lang="fr-FR" dirty="0"/>
           </a:p>
         </p:txBody>
       </p:sp>
@@ -6146,10 +6015,9 @@
           <a:lstStyle/>
           <a:p>
             <a:r>
-              <a:rPr lang="fr-FR" dirty="0" smtClean="0"/>
+              <a:rPr lang="fr-FR" dirty="0"/>
               <a:t>ACID et 3V</a:t>
             </a:r>
-            <a:endParaRPr lang="fr-FR" dirty="0"/>
           </a:p>
         </p:txBody>
       </p:sp>
@@ -6169,73 +6037,72 @@
           <a:lstStyle/>
           <a:p>
             <a:r>
-              <a:rPr lang="fr-FR" dirty="0" smtClean="0"/>
+              <a:rPr lang="fr-FR" dirty="0"/>
               <a:t>Les bases </a:t>
             </a:r>
             <a:r>
-              <a:rPr lang="fr-FR" dirty="0" err="1" smtClean="0"/>
+              <a:rPr lang="fr-FR" dirty="0" err="1"/>
               <a:t>Big</a:t>
             </a:r>
             <a:r>
-              <a:rPr lang="fr-FR" dirty="0" smtClean="0"/>
+              <a:rPr lang="fr-FR" dirty="0"/>
               <a:t> Data ne sont plus ACID</a:t>
             </a:r>
           </a:p>
           <a:p>
             <a:pPr lvl="1"/>
             <a:r>
-              <a:rPr lang="fr-FR" dirty="0" smtClean="0"/>
+              <a:rPr lang="fr-FR" dirty="0"/>
               <a:t>Atomique</a:t>
             </a:r>
           </a:p>
           <a:p>
             <a:pPr lvl="1"/>
             <a:r>
-              <a:rPr lang="fr-FR" dirty="0" smtClean="0"/>
+              <a:rPr lang="fr-FR" dirty="0"/>
               <a:t>Cohérente</a:t>
             </a:r>
           </a:p>
           <a:p>
             <a:pPr lvl="1"/>
             <a:r>
-              <a:rPr lang="fr-FR" dirty="0" smtClean="0"/>
+              <a:rPr lang="fr-FR" dirty="0"/>
               <a:t>Intègre</a:t>
             </a:r>
           </a:p>
           <a:p>
             <a:pPr lvl="1"/>
             <a:r>
-              <a:rPr lang="fr-FR" dirty="0" smtClean="0"/>
+              <a:rPr lang="fr-FR" dirty="0"/>
               <a:t>Disponible</a:t>
             </a:r>
           </a:p>
           <a:p>
             <a:r>
-              <a:rPr lang="fr-FR" dirty="0" smtClean="0"/>
+              <a:rPr lang="fr-FR" dirty="0"/>
               <a:t>Elles sont 3V</a:t>
             </a:r>
           </a:p>
           <a:p>
             <a:pPr lvl="1"/>
             <a:r>
-              <a:rPr lang="fr-FR" dirty="0" smtClean="0"/>
+              <a:rPr lang="fr-FR" dirty="0"/>
               <a:t>Volume</a:t>
             </a:r>
           </a:p>
           <a:p>
             <a:pPr lvl="1"/>
             <a:r>
-              <a:rPr lang="fr-FR" dirty="0" smtClean="0"/>
+              <a:rPr lang="fr-FR" dirty="0"/>
               <a:t>Véloce</a:t>
             </a:r>
           </a:p>
           <a:p>
             <a:pPr lvl="1"/>
             <a:r>
-              <a:rPr lang="fr-FR" dirty="0" smtClean="0"/>
+              <a:rPr lang="fr-FR" dirty="0"/>
               <a:t>Variété</a:t>
             </a:r>
-            <a:endParaRPr lang="fr-FR" dirty="0"/>
           </a:p>
         </p:txBody>
       </p:sp>
